--- a/azure-alert-msteams-webhook/docs/azure-alerts.pptx
+++ b/azure-alert-msteams-webhook/docs/azure-alerts.pptx
@@ -7,6 +7,7 @@
   <p:sldIdLst>
     <p:sldId id="256" r:id="rId2"/>
     <p:sldId id="257" r:id="rId3"/>
+    <p:sldId id="258" r:id="rId4"/>
   </p:sldIdLst>
   <p:sldSz cx="12192000" cy="6858000"/>
   <p:notesSz cx="6858000" cy="9144000"/>
@@ -4151,6 +4152,842 @@
 </p:sld>
 </file>
 
+<file path=ppt/slides/slide3.xml><?xml version="1.0" encoding="utf-8"?>
+<p:sld xmlns:a="http://schemas.openxmlformats.org/drawingml/2006/main" xmlns:r="http://schemas.openxmlformats.org/officeDocument/2006/relationships" xmlns:p="http://schemas.openxmlformats.org/presentationml/2006/main">
+  <p:cSld>
+    <p:spTree>
+      <p:nvGrpSpPr>
+        <p:cNvPr id="1" name=""/>
+        <p:cNvGrpSpPr/>
+        <p:nvPr/>
+      </p:nvGrpSpPr>
+      <p:grpSpPr>
+        <a:xfrm>
+          <a:off x="0" y="0"/>
+          <a:ext cx="0" cy="0"/>
+          <a:chOff x="0" y="0"/>
+          <a:chExt cx="0" cy="0"/>
+        </a:xfrm>
+      </p:grpSpPr>
+      <p:pic>
+        <p:nvPicPr>
+          <p:cNvPr id="2" name="Graphic 1">
+            <a:extLst>
+              <a:ext uri="{FF2B5EF4-FFF2-40B4-BE49-F238E27FC236}">
+                <a16:creationId xmlns:a16="http://schemas.microsoft.com/office/drawing/2014/main" id="{6AC2F8B6-890E-00CB-DBEE-1A1A8C7DD99E}"/>
+              </a:ext>
+            </a:extLst>
+          </p:cNvPr>
+          <p:cNvPicPr>
+            <a:picLocks noChangeAspect="1"/>
+          </p:cNvPicPr>
+          <p:nvPr/>
+        </p:nvPicPr>
+        <p:blipFill>
+          <a:blip r:embed="rId2">
+            <a:extLst>
+              <a:ext uri="{28A0092B-C50C-407E-A947-70E740481C1C}">
+                <a14:useLocalDpi xmlns:a14="http://schemas.microsoft.com/office/drawing/2010/main" val="0"/>
+              </a:ext>
+              <a:ext uri="{96DAC541-7B7A-43D3-8B79-37D633B846F1}">
+                <asvg:svgBlip xmlns:asvg="http://schemas.microsoft.com/office/drawing/2016/SVG/main" r:embed="rId3"/>
+              </a:ext>
+            </a:extLst>
+          </a:blip>
+          <a:stretch>
+            <a:fillRect/>
+          </a:stretch>
+        </p:blipFill>
+        <p:spPr>
+          <a:xfrm>
+            <a:off x="6944191" y="2081318"/>
+            <a:ext cx="465179" cy="465179"/>
+          </a:xfrm>
+          <a:prstGeom prst="rect">
+            <a:avLst/>
+          </a:prstGeom>
+        </p:spPr>
+      </p:pic>
+      <p:sp>
+        <p:nvSpPr>
+          <p:cNvPr id="3" name="TextBox 2">
+            <a:extLst>
+              <a:ext uri="{FF2B5EF4-FFF2-40B4-BE49-F238E27FC236}">
+                <a16:creationId xmlns:a16="http://schemas.microsoft.com/office/drawing/2014/main" id="{FE14198E-BB8B-8D74-AC06-09E03DBB2714}"/>
+              </a:ext>
+            </a:extLst>
+          </p:cNvPr>
+          <p:cNvSpPr txBox="1"/>
+          <p:nvPr/>
+        </p:nvSpPr>
+        <p:spPr>
+          <a:xfrm>
+            <a:off x="4919887" y="2129350"/>
+            <a:ext cx="2009419" cy="369116"/>
+          </a:xfrm>
+          <a:prstGeom prst="rect">
+            <a:avLst/>
+          </a:prstGeom>
+          <a:solidFill>
+            <a:schemeClr val="accent1">
+              <a:lumMod val="40000"/>
+              <a:lumOff val="60000"/>
+            </a:schemeClr>
+          </a:solidFill>
+          <a:ln>
+            <a:solidFill>
+              <a:schemeClr val="accent1"/>
+            </a:solidFill>
+          </a:ln>
+        </p:spPr>
+        <p:txBody>
+          <a:bodyPr wrap="square" rtlCol="0">
+            <a:spAutoFit/>
+          </a:bodyPr>
+          <a:lstStyle/>
+          <a:p>
+            <a:r>
+              <a:rPr lang="en-GB" dirty="0"/>
+              <a:t>Application Insights</a:t>
+            </a:r>
+          </a:p>
+        </p:txBody>
+      </p:sp>
+      <p:sp>
+        <p:nvSpPr>
+          <p:cNvPr id="4" name="Rectangle: Rounded Corners 3">
+            <a:extLst>
+              <a:ext uri="{FF2B5EF4-FFF2-40B4-BE49-F238E27FC236}">
+                <a16:creationId xmlns:a16="http://schemas.microsoft.com/office/drawing/2014/main" id="{5A120A0E-00EF-F9A2-AFA3-839B0676CA7C}"/>
+              </a:ext>
+            </a:extLst>
+          </p:cNvPr>
+          <p:cNvSpPr/>
+          <p:nvPr/>
+        </p:nvSpPr>
+        <p:spPr>
+          <a:xfrm>
+            <a:off x="4536116" y="1611497"/>
+            <a:ext cx="2988808" cy="2742820"/>
+          </a:xfrm>
+          <a:prstGeom prst="roundRect">
+            <a:avLst/>
+          </a:prstGeom>
+          <a:noFill/>
+          <a:ln>
+            <a:prstDash val="dash"/>
+          </a:ln>
+        </p:spPr>
+        <p:style>
+          <a:lnRef idx="2">
+            <a:schemeClr val="accent1">
+              <a:shade val="15000"/>
+            </a:schemeClr>
+          </a:lnRef>
+          <a:fillRef idx="1">
+            <a:schemeClr val="accent1"/>
+          </a:fillRef>
+          <a:effectRef idx="0">
+            <a:schemeClr val="accent1"/>
+          </a:effectRef>
+          <a:fontRef idx="minor">
+            <a:schemeClr val="lt1"/>
+          </a:fontRef>
+        </p:style>
+        <p:txBody>
+          <a:bodyPr rtlCol="0" anchor="ctr"/>
+          <a:lstStyle/>
+          <a:p>
+            <a:pPr algn="ctr"/>
+            <a:endParaRPr lang="en-GB"/>
+          </a:p>
+        </p:txBody>
+      </p:sp>
+      <p:pic>
+        <p:nvPicPr>
+          <p:cNvPr id="5" name="Graphic 4">
+            <a:extLst>
+              <a:ext uri="{FF2B5EF4-FFF2-40B4-BE49-F238E27FC236}">
+                <a16:creationId xmlns:a16="http://schemas.microsoft.com/office/drawing/2014/main" id="{AF8CF095-39D1-4773-CE43-26CFC48A56D8}"/>
+              </a:ext>
+            </a:extLst>
+          </p:cNvPr>
+          <p:cNvPicPr>
+            <a:picLocks noChangeAspect="1"/>
+          </p:cNvPicPr>
+          <p:nvPr/>
+        </p:nvPicPr>
+        <p:blipFill>
+          <a:blip r:embed="rId4">
+            <a:extLst>
+              <a:ext uri="{28A0092B-C50C-407E-A947-70E740481C1C}">
+                <a14:useLocalDpi xmlns:a14="http://schemas.microsoft.com/office/drawing/2010/main" val="0"/>
+              </a:ext>
+              <a:ext uri="{96DAC541-7B7A-43D3-8B79-37D633B846F1}">
+                <asvg:svgBlip xmlns:asvg="http://schemas.microsoft.com/office/drawing/2016/SVG/main" r:embed="rId5"/>
+              </a:ext>
+            </a:extLst>
+          </a:blip>
+          <a:stretch>
+            <a:fillRect/>
+          </a:stretch>
+        </p:blipFill>
+        <p:spPr>
+          <a:xfrm>
+            <a:off x="7022064" y="2739316"/>
+            <a:ext cx="428149" cy="428149"/>
+          </a:xfrm>
+          <a:prstGeom prst="rect">
+            <a:avLst/>
+          </a:prstGeom>
+        </p:spPr>
+      </p:pic>
+      <p:sp>
+        <p:nvSpPr>
+          <p:cNvPr id="6" name="TextBox 5">
+            <a:extLst>
+              <a:ext uri="{FF2B5EF4-FFF2-40B4-BE49-F238E27FC236}">
+                <a16:creationId xmlns:a16="http://schemas.microsoft.com/office/drawing/2014/main" id="{037E6104-A625-66AC-AE77-EB1E2A7F0393}"/>
+              </a:ext>
+            </a:extLst>
+          </p:cNvPr>
+          <p:cNvSpPr txBox="1"/>
+          <p:nvPr/>
+        </p:nvSpPr>
+        <p:spPr>
+          <a:xfrm>
+            <a:off x="4919888" y="2798349"/>
+            <a:ext cx="2024304" cy="369116"/>
+          </a:xfrm>
+          <a:prstGeom prst="rect">
+            <a:avLst/>
+          </a:prstGeom>
+          <a:solidFill>
+            <a:schemeClr val="accent1">
+              <a:lumMod val="40000"/>
+              <a:lumOff val="60000"/>
+            </a:schemeClr>
+          </a:solidFill>
+          <a:ln>
+            <a:solidFill>
+              <a:schemeClr val="accent1"/>
+            </a:solidFill>
+          </a:ln>
+        </p:spPr>
+        <p:txBody>
+          <a:bodyPr wrap="square" rtlCol="0">
+            <a:spAutoFit/>
+          </a:bodyPr>
+          <a:lstStyle/>
+          <a:p>
+            <a:r>
+              <a:rPr lang="en-GB" dirty="0"/>
+              <a:t>Log Analytics</a:t>
+            </a:r>
+          </a:p>
+        </p:txBody>
+      </p:sp>
+      <p:sp>
+        <p:nvSpPr>
+          <p:cNvPr id="7" name="Arrow: Right 6">
+            <a:extLst>
+              <a:ext uri="{FF2B5EF4-FFF2-40B4-BE49-F238E27FC236}">
+                <a16:creationId xmlns:a16="http://schemas.microsoft.com/office/drawing/2014/main" id="{8A8DB171-C6C0-978A-58B3-73740A623E6A}"/>
+              </a:ext>
+            </a:extLst>
+          </p:cNvPr>
+          <p:cNvSpPr/>
+          <p:nvPr/>
+        </p:nvSpPr>
+        <p:spPr>
+          <a:xfrm>
+            <a:off x="3238148" y="2584360"/>
+            <a:ext cx="1155200" cy="730963"/>
+          </a:xfrm>
+          <a:prstGeom prst="rightArrow">
+            <a:avLst/>
+          </a:prstGeom>
+        </p:spPr>
+        <p:style>
+          <a:lnRef idx="2">
+            <a:schemeClr val="accent1">
+              <a:shade val="15000"/>
+            </a:schemeClr>
+          </a:lnRef>
+          <a:fillRef idx="1">
+            <a:schemeClr val="accent1"/>
+          </a:fillRef>
+          <a:effectRef idx="0">
+            <a:schemeClr val="accent1"/>
+          </a:effectRef>
+          <a:fontRef idx="minor">
+            <a:schemeClr val="lt1"/>
+          </a:fontRef>
+        </p:style>
+        <p:txBody>
+          <a:bodyPr rtlCol="0" anchor="ctr"/>
+          <a:lstStyle/>
+          <a:p>
+            <a:pPr algn="ctr"/>
+            <a:endParaRPr lang="en-GB"/>
+          </a:p>
+        </p:txBody>
+      </p:sp>
+      <p:sp>
+        <p:nvSpPr>
+          <p:cNvPr id="8" name="TextBox 7">
+            <a:extLst>
+              <a:ext uri="{FF2B5EF4-FFF2-40B4-BE49-F238E27FC236}">
+                <a16:creationId xmlns:a16="http://schemas.microsoft.com/office/drawing/2014/main" id="{1BD733D3-E2F7-2F68-AEF1-5D880D6330EA}"/>
+              </a:ext>
+            </a:extLst>
+          </p:cNvPr>
+          <p:cNvSpPr txBox="1"/>
+          <p:nvPr/>
+        </p:nvSpPr>
+        <p:spPr>
+          <a:xfrm>
+            <a:off x="109056" y="2765283"/>
+            <a:ext cx="2742763" cy="923330"/>
+          </a:xfrm>
+          <a:prstGeom prst="rect">
+            <a:avLst/>
+          </a:prstGeom>
+          <a:solidFill>
+            <a:srgbClr val="FFFF00"/>
+          </a:solidFill>
+          <a:ln>
+            <a:solidFill>
+              <a:schemeClr val="accent1"/>
+            </a:solidFill>
+          </a:ln>
+        </p:spPr>
+        <p:txBody>
+          <a:bodyPr wrap="square" rtlCol="0">
+            <a:spAutoFit/>
+          </a:bodyPr>
+          <a:lstStyle/>
+          <a:p>
+            <a:r>
+              <a:rPr lang="en-GB" dirty="0"/>
+              <a:t>Console app (</a:t>
+            </a:r>
+            <a:r>
+              <a:rPr lang="en-GB" b="1" dirty="0"/>
+              <a:t>C#</a:t>
+            </a:r>
+            <a:r>
+              <a:rPr lang="en-GB" dirty="0"/>
+              <a:t>,EXE)</a:t>
+            </a:r>
+          </a:p>
+          <a:p>
+            <a:r>
+              <a:rPr lang="en-GB" dirty="0"/>
+              <a:t>(</a:t>
+            </a:r>
+            <a:r>
+              <a:rPr lang="en-GB" i="1" dirty="0"/>
+              <a:t>logs exceptions to </a:t>
+            </a:r>
+            <a:r>
+              <a:rPr lang="en-GB" b="1" i="1" dirty="0"/>
+              <a:t>Application Insights</a:t>
+            </a:r>
+            <a:r>
+              <a:rPr lang="en-GB" dirty="0"/>
+              <a:t>)</a:t>
+            </a:r>
+          </a:p>
+        </p:txBody>
+      </p:sp>
+      <p:pic>
+        <p:nvPicPr>
+          <p:cNvPr id="9" name="Graphic 8">
+            <a:extLst>
+              <a:ext uri="{FF2B5EF4-FFF2-40B4-BE49-F238E27FC236}">
+                <a16:creationId xmlns:a16="http://schemas.microsoft.com/office/drawing/2014/main" id="{8DE6D07A-938A-E2EB-3DB7-711BD79B1E5C}"/>
+              </a:ext>
+            </a:extLst>
+          </p:cNvPr>
+          <p:cNvPicPr>
+            <a:picLocks noChangeAspect="1"/>
+          </p:cNvPicPr>
+          <p:nvPr/>
+        </p:nvPicPr>
+        <p:blipFill>
+          <a:blip r:embed="rId4">
+            <a:extLst>
+              <a:ext uri="{28A0092B-C50C-407E-A947-70E740481C1C}">
+                <a14:useLocalDpi xmlns:a14="http://schemas.microsoft.com/office/drawing/2010/main" val="0"/>
+              </a:ext>
+              <a:ext uri="{96DAC541-7B7A-43D3-8B79-37D633B846F1}">
+                <asvg:svgBlip xmlns:asvg="http://schemas.microsoft.com/office/drawing/2016/SVG/main" r:embed="rId5"/>
+              </a:ext>
+            </a:extLst>
+          </a:blip>
+          <a:stretch>
+            <a:fillRect/>
+          </a:stretch>
+        </p:blipFill>
+        <p:spPr>
+          <a:xfrm>
+            <a:off x="7022064" y="3430725"/>
+            <a:ext cx="428149" cy="428149"/>
+          </a:xfrm>
+          <a:prstGeom prst="rect">
+            <a:avLst/>
+          </a:prstGeom>
+        </p:spPr>
+      </p:pic>
+      <p:sp>
+        <p:nvSpPr>
+          <p:cNvPr id="10" name="TextBox 9">
+            <a:extLst>
+              <a:ext uri="{FF2B5EF4-FFF2-40B4-BE49-F238E27FC236}">
+                <a16:creationId xmlns:a16="http://schemas.microsoft.com/office/drawing/2014/main" id="{F66C88FA-F3B6-50D7-2EAE-B1C4C1A429D9}"/>
+              </a:ext>
+            </a:extLst>
+          </p:cNvPr>
+          <p:cNvSpPr txBox="1"/>
+          <p:nvPr/>
+        </p:nvSpPr>
+        <p:spPr>
+          <a:xfrm>
+            <a:off x="4919888" y="3489758"/>
+            <a:ext cx="2024304" cy="646331"/>
+          </a:xfrm>
+          <a:prstGeom prst="rect">
+            <a:avLst/>
+          </a:prstGeom>
+          <a:solidFill>
+            <a:schemeClr val="accent1">
+              <a:lumMod val="40000"/>
+              <a:lumOff val="60000"/>
+            </a:schemeClr>
+          </a:solidFill>
+          <a:ln>
+            <a:solidFill>
+              <a:schemeClr val="accent1"/>
+            </a:solidFill>
+          </a:ln>
+        </p:spPr>
+        <p:txBody>
+          <a:bodyPr wrap="square" rtlCol="0">
+            <a:spAutoFit/>
+          </a:bodyPr>
+          <a:lstStyle/>
+          <a:p>
+            <a:r>
+              <a:rPr lang="en-GB" dirty="0"/>
+              <a:t>Alert processing rules</a:t>
+            </a:r>
+          </a:p>
+        </p:txBody>
+      </p:sp>
+      <p:sp>
+        <p:nvSpPr>
+          <p:cNvPr id="12" name="Arrow: Right 11">
+            <a:extLst>
+              <a:ext uri="{FF2B5EF4-FFF2-40B4-BE49-F238E27FC236}">
+                <a16:creationId xmlns:a16="http://schemas.microsoft.com/office/drawing/2014/main" id="{E9024B1D-E28B-9B63-5CE7-3F14E25769F0}"/>
+              </a:ext>
+            </a:extLst>
+          </p:cNvPr>
+          <p:cNvSpPr/>
+          <p:nvPr/>
+        </p:nvSpPr>
+        <p:spPr>
+          <a:xfrm>
+            <a:off x="7853552" y="2584360"/>
+            <a:ext cx="1155200" cy="730963"/>
+          </a:xfrm>
+          <a:prstGeom prst="rightArrow">
+            <a:avLst/>
+          </a:prstGeom>
+        </p:spPr>
+        <p:style>
+          <a:lnRef idx="2">
+            <a:schemeClr val="accent1">
+              <a:shade val="15000"/>
+            </a:schemeClr>
+          </a:lnRef>
+          <a:fillRef idx="1">
+            <a:schemeClr val="accent1"/>
+          </a:fillRef>
+          <a:effectRef idx="0">
+            <a:schemeClr val="accent1"/>
+          </a:effectRef>
+          <a:fontRef idx="minor">
+            <a:schemeClr val="lt1"/>
+          </a:fontRef>
+        </p:style>
+        <p:txBody>
+          <a:bodyPr rtlCol="0" anchor="ctr"/>
+          <a:lstStyle/>
+          <a:p>
+            <a:pPr algn="ctr"/>
+            <a:r>
+              <a:rPr lang="en-GB" dirty="0"/>
+              <a:t>alert</a:t>
+            </a:r>
+          </a:p>
+        </p:txBody>
+      </p:sp>
+      <p:sp>
+        <p:nvSpPr>
+          <p:cNvPr id="13" name="TextBox 12">
+            <a:extLst>
+              <a:ext uri="{FF2B5EF4-FFF2-40B4-BE49-F238E27FC236}">
+                <a16:creationId xmlns:a16="http://schemas.microsoft.com/office/drawing/2014/main" id="{88546D1A-A152-04B1-58AB-E240A17CA0CC}"/>
+              </a:ext>
+            </a:extLst>
+          </p:cNvPr>
+          <p:cNvSpPr txBox="1"/>
+          <p:nvPr/>
+        </p:nvSpPr>
+        <p:spPr>
+          <a:xfrm>
+            <a:off x="9564021" y="1944684"/>
+            <a:ext cx="2049037" cy="369332"/>
+          </a:xfrm>
+          <a:prstGeom prst="rect">
+            <a:avLst/>
+          </a:prstGeom>
+          <a:solidFill>
+            <a:schemeClr val="accent2">
+              <a:lumMod val="20000"/>
+              <a:lumOff val="80000"/>
+            </a:schemeClr>
+          </a:solidFill>
+          <a:ln>
+            <a:solidFill>
+              <a:schemeClr val="accent1"/>
+            </a:solidFill>
+          </a:ln>
+        </p:spPr>
+        <p:txBody>
+          <a:bodyPr wrap="square" rtlCol="0">
+            <a:spAutoFit/>
+          </a:bodyPr>
+          <a:lstStyle/>
+          <a:p>
+            <a:r>
+              <a:rPr lang="en-GB" dirty="0"/>
+              <a:t>Email action group</a:t>
+            </a:r>
+          </a:p>
+        </p:txBody>
+      </p:sp>
+      <p:sp>
+        <p:nvSpPr>
+          <p:cNvPr id="14" name="Rectangle: Rounded Corners 13">
+            <a:extLst>
+              <a:ext uri="{FF2B5EF4-FFF2-40B4-BE49-F238E27FC236}">
+                <a16:creationId xmlns:a16="http://schemas.microsoft.com/office/drawing/2014/main" id="{ED423E0C-5485-FC18-C97D-8550034D44D4}"/>
+              </a:ext>
+            </a:extLst>
+          </p:cNvPr>
+          <p:cNvSpPr/>
+          <p:nvPr/>
+        </p:nvSpPr>
+        <p:spPr>
+          <a:xfrm>
+            <a:off x="9094136" y="1578431"/>
+            <a:ext cx="2988808" cy="2742820"/>
+          </a:xfrm>
+          <a:prstGeom prst="roundRect">
+            <a:avLst/>
+          </a:prstGeom>
+          <a:noFill/>
+          <a:ln>
+            <a:prstDash val="dash"/>
+          </a:ln>
+        </p:spPr>
+        <p:style>
+          <a:lnRef idx="2">
+            <a:schemeClr val="accent1">
+              <a:shade val="15000"/>
+            </a:schemeClr>
+          </a:lnRef>
+          <a:fillRef idx="1">
+            <a:schemeClr val="accent1"/>
+          </a:fillRef>
+          <a:effectRef idx="0">
+            <a:schemeClr val="accent1"/>
+          </a:effectRef>
+          <a:fontRef idx="minor">
+            <a:schemeClr val="lt1"/>
+          </a:fontRef>
+        </p:style>
+        <p:txBody>
+          <a:bodyPr rtlCol="0" anchor="ctr"/>
+          <a:lstStyle/>
+          <a:p>
+            <a:pPr algn="ctr"/>
+            <a:endParaRPr lang="en-GB"/>
+          </a:p>
+        </p:txBody>
+      </p:sp>
+      <p:sp>
+        <p:nvSpPr>
+          <p:cNvPr id="15" name="TextBox 14">
+            <a:extLst>
+              <a:ext uri="{FF2B5EF4-FFF2-40B4-BE49-F238E27FC236}">
+                <a16:creationId xmlns:a16="http://schemas.microsoft.com/office/drawing/2014/main" id="{FACAEF6F-92E7-1778-2609-68E7E4D3580A}"/>
+              </a:ext>
+            </a:extLst>
+          </p:cNvPr>
+          <p:cNvSpPr txBox="1"/>
+          <p:nvPr/>
+        </p:nvSpPr>
+        <p:spPr>
+          <a:xfrm>
+            <a:off x="9564021" y="3152529"/>
+            <a:ext cx="2049037" cy="646331"/>
+          </a:xfrm>
+          <a:prstGeom prst="rect">
+            <a:avLst/>
+          </a:prstGeom>
+          <a:solidFill>
+            <a:schemeClr val="accent2">
+              <a:lumMod val="20000"/>
+              <a:lumOff val="80000"/>
+            </a:schemeClr>
+          </a:solidFill>
+          <a:ln>
+            <a:solidFill>
+              <a:schemeClr val="accent1"/>
+            </a:solidFill>
+          </a:ln>
+        </p:spPr>
+        <p:txBody>
+          <a:bodyPr wrap="square" rtlCol="0">
+            <a:spAutoFit/>
+          </a:bodyPr>
+          <a:lstStyle/>
+          <a:p>
+            <a:r>
+              <a:rPr lang="en-GB" dirty="0"/>
+              <a:t>Web hook action group</a:t>
+            </a:r>
+          </a:p>
+        </p:txBody>
+      </p:sp>
+      <p:sp>
+        <p:nvSpPr>
+          <p:cNvPr id="16" name="Arrow: Down 15">
+            <a:extLst>
+              <a:ext uri="{FF2B5EF4-FFF2-40B4-BE49-F238E27FC236}">
+                <a16:creationId xmlns:a16="http://schemas.microsoft.com/office/drawing/2014/main" id="{2D020FB5-F692-7804-B1B4-0E2F512E99D7}"/>
+              </a:ext>
+            </a:extLst>
+          </p:cNvPr>
+          <p:cNvSpPr/>
+          <p:nvPr/>
+        </p:nvSpPr>
+        <p:spPr>
+          <a:xfrm>
+            <a:off x="10201013" y="4437776"/>
+            <a:ext cx="578840" cy="721988"/>
+          </a:xfrm>
+          <a:prstGeom prst="downArrow">
+            <a:avLst/>
+          </a:prstGeom>
+        </p:spPr>
+        <p:style>
+          <a:lnRef idx="2">
+            <a:schemeClr val="accent1">
+              <a:shade val="15000"/>
+            </a:schemeClr>
+          </a:lnRef>
+          <a:fillRef idx="1">
+            <a:schemeClr val="accent1"/>
+          </a:fillRef>
+          <a:effectRef idx="0">
+            <a:schemeClr val="accent1"/>
+          </a:effectRef>
+          <a:fontRef idx="minor">
+            <a:schemeClr val="lt1"/>
+          </a:fontRef>
+        </p:style>
+        <p:txBody>
+          <a:bodyPr rtlCol="0" anchor="ctr"/>
+          <a:lstStyle/>
+          <a:p>
+            <a:pPr algn="ctr"/>
+            <a:r>
+              <a:rPr lang="en-GB" dirty="0"/>
+              <a:t>web</a:t>
+            </a:r>
+          </a:p>
+        </p:txBody>
+      </p:sp>
+      <p:sp>
+        <p:nvSpPr>
+          <p:cNvPr id="17" name="TextBox 16">
+            <a:extLst>
+              <a:ext uri="{FF2B5EF4-FFF2-40B4-BE49-F238E27FC236}">
+                <a16:creationId xmlns:a16="http://schemas.microsoft.com/office/drawing/2014/main" id="{3F434E16-3A1C-58AB-21D7-12A091DDB8F8}"/>
+              </a:ext>
+            </a:extLst>
+          </p:cNvPr>
+          <p:cNvSpPr txBox="1"/>
+          <p:nvPr/>
+        </p:nvSpPr>
+        <p:spPr>
+          <a:xfrm>
+            <a:off x="9008752" y="5287896"/>
+            <a:ext cx="2742763" cy="646331"/>
+          </a:xfrm>
+          <a:prstGeom prst="rect">
+            <a:avLst/>
+          </a:prstGeom>
+          <a:solidFill>
+            <a:srgbClr val="FFFF00"/>
+          </a:solidFill>
+          <a:ln>
+            <a:solidFill>
+              <a:schemeClr val="accent1"/>
+            </a:solidFill>
+          </a:ln>
+        </p:spPr>
+        <p:txBody>
+          <a:bodyPr wrap="square" rtlCol="0">
+            <a:spAutoFit/>
+          </a:bodyPr>
+          <a:lstStyle/>
+          <a:p>
+            <a:r>
+              <a:rPr lang="en-GB" dirty="0"/>
+              <a:t>Web API (</a:t>
+            </a:r>
+            <a:r>
+              <a:rPr lang="en-GB" b="1" dirty="0"/>
+              <a:t>C#</a:t>
+            </a:r>
+            <a:r>
+              <a:rPr lang="en-GB" dirty="0"/>
+              <a:t>,EXE)</a:t>
+            </a:r>
+          </a:p>
+          <a:p>
+            <a:r>
+              <a:rPr lang="en-GB" dirty="0"/>
+              <a:t>(receives web hook calls )</a:t>
+            </a:r>
+          </a:p>
+        </p:txBody>
+      </p:sp>
+      <p:sp>
+        <p:nvSpPr>
+          <p:cNvPr id="18" name="TextBox 17">
+            <a:extLst>
+              <a:ext uri="{FF2B5EF4-FFF2-40B4-BE49-F238E27FC236}">
+                <a16:creationId xmlns:a16="http://schemas.microsoft.com/office/drawing/2014/main" id="{C20B3E6D-EAF8-5F72-9976-2C87E792CEA7}"/>
+              </a:ext>
+            </a:extLst>
+          </p:cNvPr>
+          <p:cNvSpPr txBox="1"/>
+          <p:nvPr/>
+        </p:nvSpPr>
+        <p:spPr>
+          <a:xfrm>
+            <a:off x="4948558" y="5266113"/>
+            <a:ext cx="2742763" cy="646331"/>
+          </a:xfrm>
+          <a:prstGeom prst="rect">
+            <a:avLst/>
+          </a:prstGeom>
+          <a:solidFill>
+            <a:srgbClr val="FFFF00"/>
+          </a:solidFill>
+          <a:ln>
+            <a:solidFill>
+              <a:schemeClr val="accent1"/>
+            </a:solidFill>
+          </a:ln>
+        </p:spPr>
+        <p:txBody>
+          <a:bodyPr wrap="square" rtlCol="0">
+            <a:spAutoFit/>
+          </a:bodyPr>
+          <a:lstStyle/>
+          <a:p>
+            <a:r>
+              <a:rPr lang="en-GB" b="1" dirty="0"/>
+              <a:t>ARM</a:t>
+            </a:r>
+            <a:r>
+              <a:rPr lang="en-GB" dirty="0"/>
+              <a:t> templates deployed using </a:t>
+            </a:r>
+            <a:r>
+              <a:rPr lang="en-GB" b="1" dirty="0"/>
+              <a:t>Azure CLI</a:t>
+            </a:r>
+          </a:p>
+        </p:txBody>
+      </p:sp>
+      <p:sp>
+        <p:nvSpPr>
+          <p:cNvPr id="19" name="Arrow: Down 18">
+            <a:extLst>
+              <a:ext uri="{FF2B5EF4-FFF2-40B4-BE49-F238E27FC236}">
+                <a16:creationId xmlns:a16="http://schemas.microsoft.com/office/drawing/2014/main" id="{EE877CD6-B3A6-A42E-6BF2-C1F31722D6CE}"/>
+              </a:ext>
+            </a:extLst>
+          </p:cNvPr>
+          <p:cNvSpPr/>
+          <p:nvPr/>
+        </p:nvSpPr>
+        <p:spPr>
+          <a:xfrm rot="10800000">
+            <a:off x="5741100" y="4488969"/>
+            <a:ext cx="578840" cy="721988"/>
+          </a:xfrm>
+          <a:prstGeom prst="downArrow">
+            <a:avLst/>
+          </a:prstGeom>
+        </p:spPr>
+        <p:style>
+          <a:lnRef idx="2">
+            <a:schemeClr val="accent1">
+              <a:shade val="15000"/>
+            </a:schemeClr>
+          </a:lnRef>
+          <a:fillRef idx="1">
+            <a:schemeClr val="accent1"/>
+          </a:fillRef>
+          <a:effectRef idx="0">
+            <a:schemeClr val="accent1"/>
+          </a:effectRef>
+          <a:fontRef idx="minor">
+            <a:schemeClr val="lt1"/>
+          </a:fontRef>
+        </p:style>
+        <p:txBody>
+          <a:bodyPr rtlCol="0" anchor="ctr"/>
+          <a:lstStyle/>
+          <a:p>
+            <a:pPr algn="ctr"/>
+            <a:endParaRPr lang="en-GB" dirty="0"/>
+          </a:p>
+        </p:txBody>
+      </p:sp>
+    </p:spTree>
+    <p:extLst>
+      <p:ext uri="{BB962C8B-B14F-4D97-AF65-F5344CB8AC3E}">
+        <p14:creationId xmlns:p14="http://schemas.microsoft.com/office/powerpoint/2010/main" val="3988424214"/>
+      </p:ext>
+    </p:extLst>
+  </p:cSld>
+  <p:clrMapOvr>
+    <a:masterClrMapping/>
+  </p:clrMapOvr>
+</p:sld>
+</file>
+
 <file path=ppt/theme/theme1.xml><?xml version="1.0" encoding="utf-8"?>
 <a:theme xmlns:a="http://schemas.openxmlformats.org/drawingml/2006/main" name="Office Theme">
   <a:themeElements>
